--- a/computer_science/ai/xai/papers/othters/Explainable Reasoning over Knowledge Graphs for Recommendation.pptx
+++ b/computer_science/ai/xai/papers/othters/Explainable Reasoning over Knowledge Graphs for Recommendation.pptx
@@ -9,24 +9,24 @@
   </p:notesMasterIdLst>
   <p:sldIdLst>
     <p:sldId id="256" r:id="rId2"/>
-    <p:sldId id="292" r:id="rId3"/>
-    <p:sldId id="293" r:id="rId4"/>
-    <p:sldId id="294" r:id="rId5"/>
-    <p:sldId id="295" r:id="rId6"/>
-    <p:sldId id="296" r:id="rId7"/>
-    <p:sldId id="297" r:id="rId8"/>
-    <p:sldId id="298" r:id="rId9"/>
-    <p:sldId id="300" r:id="rId10"/>
-    <p:sldId id="301" r:id="rId11"/>
-    <p:sldId id="302" r:id="rId12"/>
-    <p:sldId id="303" r:id="rId13"/>
-    <p:sldId id="304" r:id="rId14"/>
-    <p:sldId id="305" r:id="rId15"/>
-    <p:sldId id="306" r:id="rId16"/>
-    <p:sldId id="309" r:id="rId17"/>
-    <p:sldId id="308" r:id="rId18"/>
-    <p:sldId id="310" r:id="rId19"/>
-    <p:sldId id="299" r:id="rId20"/>
+    <p:sldId id="293" r:id="rId3"/>
+    <p:sldId id="292" r:id="rId4"/>
+    <p:sldId id="295" r:id="rId5"/>
+    <p:sldId id="296" r:id="rId6"/>
+    <p:sldId id="297" r:id="rId7"/>
+    <p:sldId id="298" r:id="rId8"/>
+    <p:sldId id="300" r:id="rId9"/>
+    <p:sldId id="301" r:id="rId10"/>
+    <p:sldId id="302" r:id="rId11"/>
+    <p:sldId id="303" r:id="rId12"/>
+    <p:sldId id="304" r:id="rId13"/>
+    <p:sldId id="305" r:id="rId14"/>
+    <p:sldId id="306" r:id="rId15"/>
+    <p:sldId id="309" r:id="rId16"/>
+    <p:sldId id="308" r:id="rId17"/>
+    <p:sldId id="310" r:id="rId18"/>
+    <p:sldId id="299" r:id="rId19"/>
+    <p:sldId id="294" r:id="rId20"/>
     <p:sldId id="257" r:id="rId21"/>
     <p:sldId id="258" r:id="rId22"/>
     <p:sldId id="259" r:id="rId23"/>
@@ -159,6 +159,11 @@
       </a:defRPr>
     </a:lvl9pPr>
   </p:defaultTextStyle>
+  <p:extLst>
+    <p:ext uri="{EFAFB233-063F-42B5-8137-9DF3F51BA10A}">
+      <p15:sldGuideLst xmlns:p15="http://schemas.microsoft.com/office/powerpoint/2012/main"/>
+    </p:ext>
+  </p:extLst>
 </p:presentation>
 </file>
 
@@ -244,7 +249,7 @@
           <a:p>
             <a:fld id="{1EA140AE-5B65-419B-9F9C-C332B1483AB7}" type="datetimeFigureOut">
               <a:rPr lang="zh-CN" altLang="en-US" smtClean="0"/>
-              <a:t>2019/5/24</a:t>
+              <a:t>2019/7/2</a:t>
             </a:fld>
             <a:endParaRPr lang="zh-CN" altLang="en-US"/>
           </a:p>
@@ -577,7 +582,7 @@
           <a:p>
             <a:fld id="{F1221486-D519-4B4B-BEFA-7E1EDC37F6B0}" type="slidenum">
               <a:rPr lang="zh-CN" altLang="en-US" smtClean="0"/>
-              <a:t>18</a:t>
+              <a:t>17</a:t>
             </a:fld>
             <a:endParaRPr lang="zh-CN" altLang="en-US"/>
           </a:p>
@@ -597,6 +602,98 @@
 </file>
 
 <file path=ppt/notesSlides/notesSlide2.xml><?xml version="1.0" encoding="utf-8"?>
+<p:notes xmlns:a="http://schemas.openxmlformats.org/drawingml/2006/main" xmlns:r="http://schemas.openxmlformats.org/officeDocument/2006/relationships" xmlns:p="http://schemas.openxmlformats.org/presentationml/2006/main">
+  <p:cSld>
+    <p:spTree>
+      <p:nvGrpSpPr>
+        <p:cNvPr id="1" name=""/>
+        <p:cNvGrpSpPr/>
+        <p:nvPr/>
+      </p:nvGrpSpPr>
+      <p:grpSpPr>
+        <a:xfrm>
+          <a:off x="0" y="0"/>
+          <a:ext cx="0" cy="0"/>
+          <a:chOff x="0" y="0"/>
+          <a:chExt cx="0" cy="0"/>
+        </a:xfrm>
+      </p:grpSpPr>
+      <p:sp>
+        <p:nvSpPr>
+          <p:cNvPr id="2" name="幻灯片图像占位符 1"/>
+          <p:cNvSpPr>
+            <a:spLocks noGrp="1" noRot="1" noChangeAspect="1"/>
+          </p:cNvSpPr>
+          <p:nvPr>
+            <p:ph type="sldImg"/>
+          </p:nvPr>
+        </p:nvSpPr>
+        <p:spPr/>
+      </p:sp>
+      <p:sp>
+        <p:nvSpPr>
+          <p:cNvPr id="3" name="备注占位符 2"/>
+          <p:cNvSpPr>
+            <a:spLocks noGrp="1"/>
+          </p:cNvSpPr>
+          <p:nvPr>
+            <p:ph type="body" idx="1"/>
+          </p:nvPr>
+        </p:nvSpPr>
+        <p:spPr/>
+        <p:txBody>
+          <a:bodyPr/>
+          <a:lstStyle/>
+          <a:p>
+            <a:r>
+              <a:rPr lang="en-US" altLang="zh-CN" dirty="0" smtClean="0"/>
+              <a:t>disregarding: </a:t>
+            </a:r>
+            <a:r>
+              <a:rPr lang="zh-CN" altLang="en-US" dirty="0" smtClean="0"/>
+              <a:t>不理会，不顾</a:t>
+            </a:r>
+            <a:endParaRPr lang="zh-CN" altLang="en-US" dirty="0"/>
+          </a:p>
+        </p:txBody>
+      </p:sp>
+      <p:sp>
+        <p:nvSpPr>
+          <p:cNvPr id="4" name="灯片编号占位符 3"/>
+          <p:cNvSpPr>
+            <a:spLocks noGrp="1"/>
+          </p:cNvSpPr>
+          <p:nvPr>
+            <p:ph type="sldNum" sz="quarter" idx="10"/>
+          </p:nvPr>
+        </p:nvSpPr>
+        <p:spPr/>
+        <p:txBody>
+          <a:bodyPr/>
+          <a:lstStyle/>
+          <a:p>
+            <a:fld id="{67839286-6182-490F-B48A-2DA04B12F26E}" type="slidenum">
+              <a:rPr lang="zh-CN" altLang="en-US" smtClean="0"/>
+              <a:t>19</a:t>
+            </a:fld>
+            <a:endParaRPr lang="zh-CN" altLang="en-US"/>
+          </a:p>
+        </p:txBody>
+      </p:sp>
+    </p:spTree>
+    <p:extLst>
+      <p:ext uri="{BB962C8B-B14F-4D97-AF65-F5344CB8AC3E}">
+        <p14:creationId xmlns:p14="http://schemas.microsoft.com/office/powerpoint/2010/main" val="1837415986"/>
+      </p:ext>
+    </p:extLst>
+  </p:cSld>
+  <p:clrMapOvr>
+    <a:masterClrMapping/>
+  </p:clrMapOvr>
+</p:notes>
+</file>
+
+<file path=ppt/notesSlides/notesSlide3.xml><?xml version="1.0" encoding="utf-8"?>
 <p:notes xmlns:a="http://schemas.openxmlformats.org/drawingml/2006/main" xmlns:r="http://schemas.openxmlformats.org/officeDocument/2006/relationships" xmlns:p="http://schemas.openxmlformats.org/presentationml/2006/main">
   <p:cSld>
     <p:spTree>
@@ -831,7 +928,7 @@
           <a:p>
             <a:fld id="{3C361BD8-3440-405C-8ABF-2C36905574F3}" type="datetimeFigureOut">
               <a:rPr lang="zh-CN" altLang="en-US" smtClean="0"/>
-              <a:t>2019/5/24</a:t>
+              <a:t>2019/7/2</a:t>
             </a:fld>
             <a:endParaRPr lang="zh-CN" altLang="en-US"/>
           </a:p>
@@ -1001,7 +1098,7 @@
           <a:p>
             <a:fld id="{3C361BD8-3440-405C-8ABF-2C36905574F3}" type="datetimeFigureOut">
               <a:rPr lang="zh-CN" altLang="en-US" smtClean="0"/>
-              <a:t>2019/5/24</a:t>
+              <a:t>2019/7/2</a:t>
             </a:fld>
             <a:endParaRPr lang="zh-CN" altLang="en-US"/>
           </a:p>
@@ -1181,7 +1278,7 @@
           <a:p>
             <a:fld id="{3C361BD8-3440-405C-8ABF-2C36905574F3}" type="datetimeFigureOut">
               <a:rPr lang="zh-CN" altLang="en-US" smtClean="0"/>
-              <a:t>2019/5/24</a:t>
+              <a:t>2019/7/2</a:t>
             </a:fld>
             <a:endParaRPr lang="zh-CN" altLang="en-US"/>
           </a:p>
@@ -1357,7 +1454,7 @@
           <a:p>
             <a:fld id="{3C361BD8-3440-405C-8ABF-2C36905574F3}" type="datetimeFigureOut">
               <a:rPr lang="zh-CN" altLang="en-US" smtClean="0"/>
-              <a:t>2019/5/24</a:t>
+              <a:t>2019/7/2</a:t>
             </a:fld>
             <a:endParaRPr lang="zh-CN" altLang="en-US"/>
           </a:p>
@@ -1603,7 +1700,7 @@
           <a:p>
             <a:fld id="{3C361BD8-3440-405C-8ABF-2C36905574F3}" type="datetimeFigureOut">
               <a:rPr lang="zh-CN" altLang="en-US" smtClean="0"/>
-              <a:t>2019/5/24</a:t>
+              <a:t>2019/7/2</a:t>
             </a:fld>
             <a:endParaRPr lang="zh-CN" altLang="en-US"/>
           </a:p>
@@ -1835,7 +1932,7 @@
           <a:p>
             <a:fld id="{3C361BD8-3440-405C-8ABF-2C36905574F3}" type="datetimeFigureOut">
               <a:rPr lang="zh-CN" altLang="en-US" smtClean="0"/>
-              <a:t>2019/5/24</a:t>
+              <a:t>2019/7/2</a:t>
             </a:fld>
             <a:endParaRPr lang="zh-CN" altLang="en-US"/>
           </a:p>
@@ -2202,7 +2299,7 @@
           <a:p>
             <a:fld id="{3C361BD8-3440-405C-8ABF-2C36905574F3}" type="datetimeFigureOut">
               <a:rPr lang="zh-CN" altLang="en-US" smtClean="0"/>
-              <a:t>2019/5/24</a:t>
+              <a:t>2019/7/2</a:t>
             </a:fld>
             <a:endParaRPr lang="zh-CN" altLang="en-US"/>
           </a:p>
@@ -2320,7 +2417,7 @@
           <a:p>
             <a:fld id="{3C361BD8-3440-405C-8ABF-2C36905574F3}" type="datetimeFigureOut">
               <a:rPr lang="zh-CN" altLang="en-US" smtClean="0"/>
-              <a:t>2019/5/24</a:t>
+              <a:t>2019/7/2</a:t>
             </a:fld>
             <a:endParaRPr lang="zh-CN" altLang="en-US"/>
           </a:p>
@@ -2415,7 +2512,7 @@
           <a:p>
             <a:fld id="{3C361BD8-3440-405C-8ABF-2C36905574F3}" type="datetimeFigureOut">
               <a:rPr lang="zh-CN" altLang="en-US" smtClean="0"/>
-              <a:t>2019/5/24</a:t>
+              <a:t>2019/7/2</a:t>
             </a:fld>
             <a:endParaRPr lang="zh-CN" altLang="en-US"/>
           </a:p>
@@ -2692,7 +2789,7 @@
           <a:p>
             <a:fld id="{3C361BD8-3440-405C-8ABF-2C36905574F3}" type="datetimeFigureOut">
               <a:rPr lang="zh-CN" altLang="en-US" smtClean="0"/>
-              <a:t>2019/5/24</a:t>
+              <a:t>2019/7/2</a:t>
             </a:fld>
             <a:endParaRPr lang="zh-CN" altLang="en-US"/>
           </a:p>
@@ -2945,7 +3042,7 @@
           <a:p>
             <a:fld id="{3C361BD8-3440-405C-8ABF-2C36905574F3}" type="datetimeFigureOut">
               <a:rPr lang="zh-CN" altLang="en-US" smtClean="0"/>
-              <a:t>2019/5/24</a:t>
+              <a:t>2019/7/2</a:t>
             </a:fld>
             <a:endParaRPr lang="zh-CN" altLang="en-US"/>
           </a:p>
@@ -3158,7 +3255,7 @@
           <a:p>
             <a:fld id="{3C361BD8-3440-405C-8ABF-2C36905574F3}" type="datetimeFigureOut">
               <a:rPr lang="zh-CN" altLang="en-US" smtClean="0"/>
-              <a:t>2019/5/24</a:t>
+              <a:t>2019/7/2</a:t>
             </a:fld>
             <a:endParaRPr lang="zh-CN" altLang="en-US"/>
           </a:p>
@@ -3696,136 +3793,6 @@
           <a:p>
             <a:r>
               <a:rPr lang="en-US" altLang="zh-CN" dirty="0" smtClean="0"/>
-              <a:t>Model</a:t>
-            </a:r>
-            <a:endParaRPr lang="zh-CN" altLang="en-US" dirty="0"/>
-          </a:p>
-        </p:txBody>
-      </p:sp>
-      <p:sp>
-        <p:nvSpPr>
-          <p:cNvPr id="3" name="内容占位符 2"/>
-          <p:cNvSpPr>
-            <a:spLocks noGrp="1"/>
-          </p:cNvSpPr>
-          <p:nvPr>
-            <p:ph idx="1"/>
-          </p:nvPr>
-        </p:nvSpPr>
-        <p:spPr/>
-        <p:txBody>
-          <a:bodyPr/>
-          <a:lstStyle/>
-          <a:p>
-            <a:r>
-              <a:rPr lang="en-US" altLang="zh-CN" dirty="0" smtClean="0"/>
-              <a:t>Learning</a:t>
-            </a:r>
-          </a:p>
-          <a:p>
-            <a:pPr lvl="1"/>
-            <a:r>
-              <a:rPr lang="en-US" altLang="zh-CN" dirty="0" smtClean="0"/>
-              <a:t>treat the recommender learning task as a </a:t>
-            </a:r>
-            <a:r>
-              <a:rPr lang="en-US" altLang="zh-CN" dirty="0" smtClean="0">
-                <a:solidFill>
-                  <a:srgbClr val="FF0000"/>
-                </a:solidFill>
-              </a:rPr>
-              <a:t>binary classification</a:t>
-            </a:r>
-            <a:r>
-              <a:rPr lang="en-US" altLang="zh-CN" dirty="0" smtClean="0"/>
-              <a:t> problem, interaction 1, otherwise 0.</a:t>
-            </a:r>
-          </a:p>
-          <a:p>
-            <a:pPr lvl="1"/>
-            <a:r>
-              <a:rPr lang="en-US" altLang="zh-CN" dirty="0" smtClean="0"/>
-              <a:t>objective function:</a:t>
-            </a:r>
-            <a:endParaRPr lang="zh-CN" altLang="en-US" dirty="0" smtClean="0"/>
-          </a:p>
-          <a:p>
-            <a:pPr lvl="1"/>
-            <a:endParaRPr lang="zh-CN" altLang="en-US" dirty="0"/>
-          </a:p>
-        </p:txBody>
-      </p:sp>
-      <p:pic>
-        <p:nvPicPr>
-          <p:cNvPr id="4" name="图片 3"/>
-          <p:cNvPicPr>
-            <a:picLocks noChangeAspect="1"/>
-          </p:cNvPicPr>
-          <p:nvPr/>
-        </p:nvPicPr>
-        <p:blipFill>
-          <a:blip r:embed="rId2"/>
-          <a:stretch>
-            <a:fillRect/>
-          </a:stretch>
-        </p:blipFill>
-        <p:spPr>
-          <a:xfrm>
-            <a:off x="1659797" y="3472343"/>
-            <a:ext cx="7429500" cy="1524000"/>
-          </a:xfrm>
-          <a:prstGeom prst="rect">
-            <a:avLst/>
-          </a:prstGeom>
-        </p:spPr>
-      </p:pic>
-    </p:spTree>
-    <p:extLst>
-      <p:ext uri="{BB962C8B-B14F-4D97-AF65-F5344CB8AC3E}">
-        <p14:creationId xmlns:p14="http://schemas.microsoft.com/office/powerpoint/2010/main" val="881843434"/>
-      </p:ext>
-    </p:extLst>
-  </p:cSld>
-  <p:clrMapOvr>
-    <a:masterClrMapping/>
-  </p:clrMapOvr>
-</p:sld>
-</file>
-
-<file path=ppt/slides/slide11.xml><?xml version="1.0" encoding="utf-8"?>
-<p:sld xmlns:a="http://schemas.openxmlformats.org/drawingml/2006/main" xmlns:r="http://schemas.openxmlformats.org/officeDocument/2006/relationships" xmlns:p="http://schemas.openxmlformats.org/presentationml/2006/main">
-  <p:cSld>
-    <p:spTree>
-      <p:nvGrpSpPr>
-        <p:cNvPr id="1" name=""/>
-        <p:cNvGrpSpPr/>
-        <p:nvPr/>
-      </p:nvGrpSpPr>
-      <p:grpSpPr>
-        <a:xfrm>
-          <a:off x="0" y="0"/>
-          <a:ext cx="0" cy="0"/>
-          <a:chOff x="0" y="0"/>
-          <a:chExt cx="0" cy="0"/>
-        </a:xfrm>
-      </p:grpSpPr>
-      <p:sp>
-        <p:nvSpPr>
-          <p:cNvPr id="2" name="标题 1"/>
-          <p:cNvSpPr>
-            <a:spLocks noGrp="1"/>
-          </p:cNvSpPr>
-          <p:nvPr>
-            <p:ph type="title"/>
-          </p:nvPr>
-        </p:nvSpPr>
-        <p:spPr/>
-        <p:txBody>
-          <a:bodyPr/>
-          <a:lstStyle/>
-          <a:p>
-            <a:r>
-              <a:rPr lang="en-US" altLang="zh-CN" dirty="0" smtClean="0"/>
               <a:t>Experiments: </a:t>
             </a:r>
             <a:r>
@@ -3918,7 +3885,7 @@
 </p:sld>
 </file>
 
-<file path=ppt/slides/slide12.xml><?xml version="1.0" encoding="utf-8"?>
+<file path=ppt/slides/slide11.xml><?xml version="1.0" encoding="utf-8"?>
 <p:sld xmlns:a="http://schemas.openxmlformats.org/drawingml/2006/main" xmlns:r="http://schemas.openxmlformats.org/officeDocument/2006/relationships" xmlns:p="http://schemas.openxmlformats.org/presentationml/2006/main">
   <p:cSld>
     <p:spTree>
@@ -3997,6 +3964,112 @@
 </p:sld>
 </file>
 
+<file path=ppt/slides/slide12.xml><?xml version="1.0" encoding="utf-8"?>
+<p:sld xmlns:a="http://schemas.openxmlformats.org/drawingml/2006/main" xmlns:r="http://schemas.openxmlformats.org/officeDocument/2006/relationships" xmlns:p="http://schemas.openxmlformats.org/presentationml/2006/main">
+  <p:cSld>
+    <p:spTree>
+      <p:nvGrpSpPr>
+        <p:cNvPr id="1" name=""/>
+        <p:cNvGrpSpPr/>
+        <p:nvPr/>
+      </p:nvGrpSpPr>
+      <p:grpSpPr>
+        <a:xfrm>
+          <a:off x="0" y="0"/>
+          <a:ext cx="0" cy="0"/>
+          <a:chOff x="0" y="0"/>
+          <a:chExt cx="0" cy="0"/>
+        </a:xfrm>
+      </p:grpSpPr>
+      <p:sp>
+        <p:nvSpPr>
+          <p:cNvPr id="2" name="标题 1"/>
+          <p:cNvSpPr>
+            <a:spLocks noGrp="1"/>
+          </p:cNvSpPr>
+          <p:nvPr>
+            <p:ph type="title"/>
+          </p:nvPr>
+        </p:nvSpPr>
+        <p:spPr/>
+        <p:txBody>
+          <a:bodyPr/>
+          <a:lstStyle/>
+          <a:p>
+            <a:r>
+              <a:rPr lang="en-US" altLang="zh-CN" dirty="0" smtClean="0"/>
+              <a:t>Experiments: Dataset Description</a:t>
+            </a:r>
+            <a:endParaRPr lang="zh-CN" altLang="en-US" dirty="0"/>
+          </a:p>
+        </p:txBody>
+      </p:sp>
+      <p:sp>
+        <p:nvSpPr>
+          <p:cNvPr id="3" name="内容占位符 2"/>
+          <p:cNvSpPr>
+            <a:spLocks noGrp="1"/>
+          </p:cNvSpPr>
+          <p:nvPr>
+            <p:ph idx="1"/>
+          </p:nvPr>
+        </p:nvSpPr>
+        <p:spPr/>
+        <p:txBody>
+          <a:bodyPr>
+            <a:normAutofit/>
+          </a:bodyPr>
+          <a:lstStyle/>
+          <a:p>
+            <a:r>
+              <a:rPr lang="en-US" altLang="zh-CN" dirty="0" smtClean="0"/>
+              <a:t>positive: a user rates a movie or has an interaction with a song.</a:t>
+            </a:r>
+          </a:p>
+          <a:p>
+            <a:r>
+              <a:rPr lang="en-US" altLang="zh-CN" dirty="0" smtClean="0"/>
+              <a:t>negative: for each positive user-item pair, we conducted four items that the user has not interacted with.</a:t>
+            </a:r>
+          </a:p>
+          <a:p>
+            <a:r>
+              <a:rPr lang="en-US" altLang="zh-CN" dirty="0" smtClean="0"/>
+              <a:t>test stage: </a:t>
+            </a:r>
+            <a:r>
+              <a:rPr lang="en-US" altLang="zh-CN" dirty="0"/>
+              <a:t>the ratio </a:t>
+            </a:r>
+            <a:r>
+              <a:rPr lang="en-US" altLang="zh-CN" dirty="0" smtClean="0"/>
+              <a:t>between positive </a:t>
+            </a:r>
+            <a:r>
+              <a:rPr lang="en-US" altLang="zh-CN" dirty="0"/>
+              <a:t>and negative interactions is set as 1 : </a:t>
+            </a:r>
+            <a:r>
+              <a:rPr lang="en-US" altLang="zh-CN" dirty="0" smtClean="0"/>
+              <a:t>100.</a:t>
+            </a:r>
+            <a:endParaRPr lang="zh-CN" altLang="en-US" dirty="0"/>
+          </a:p>
+        </p:txBody>
+      </p:sp>
+    </p:spTree>
+    <p:extLst>
+      <p:ext uri="{BB962C8B-B14F-4D97-AF65-F5344CB8AC3E}">
+        <p14:creationId xmlns:p14="http://schemas.microsoft.com/office/powerpoint/2010/main" val="3947346147"/>
+      </p:ext>
+    </p:extLst>
+  </p:cSld>
+  <p:clrMapOvr>
+    <a:masterClrMapping/>
+  </p:clrMapOvr>
+</p:sld>
+</file>
+
 <file path=ppt/slides/slide13.xml><?xml version="1.0" encoding="utf-8"?>
 <p:sld xmlns:a="http://schemas.openxmlformats.org/drawingml/2006/main" xmlns:r="http://schemas.openxmlformats.org/officeDocument/2006/relationships" xmlns:p="http://schemas.openxmlformats.org/presentationml/2006/main">
   <p:cSld>
@@ -4031,112 +4104,6 @@
           <a:p>
             <a:r>
               <a:rPr lang="en-US" altLang="zh-CN" dirty="0" smtClean="0"/>
-              <a:t>Experiments: Dataset Description</a:t>
-            </a:r>
-            <a:endParaRPr lang="zh-CN" altLang="en-US" dirty="0"/>
-          </a:p>
-        </p:txBody>
-      </p:sp>
-      <p:sp>
-        <p:nvSpPr>
-          <p:cNvPr id="3" name="内容占位符 2"/>
-          <p:cNvSpPr>
-            <a:spLocks noGrp="1"/>
-          </p:cNvSpPr>
-          <p:nvPr>
-            <p:ph idx="1"/>
-          </p:nvPr>
-        </p:nvSpPr>
-        <p:spPr/>
-        <p:txBody>
-          <a:bodyPr>
-            <a:normAutofit/>
-          </a:bodyPr>
-          <a:lstStyle/>
-          <a:p>
-            <a:r>
-              <a:rPr lang="en-US" altLang="zh-CN" dirty="0" smtClean="0"/>
-              <a:t>positive: a user rates a movie or has an interaction with a song.</a:t>
-            </a:r>
-          </a:p>
-          <a:p>
-            <a:r>
-              <a:rPr lang="en-US" altLang="zh-CN" dirty="0" smtClean="0"/>
-              <a:t>negative: for each positive user-item pair, we conducted four items that the user has not interacted with.</a:t>
-            </a:r>
-          </a:p>
-          <a:p>
-            <a:r>
-              <a:rPr lang="en-US" altLang="zh-CN" dirty="0" smtClean="0"/>
-              <a:t>test stage: </a:t>
-            </a:r>
-            <a:r>
-              <a:rPr lang="en-US" altLang="zh-CN" dirty="0"/>
-              <a:t>the ratio </a:t>
-            </a:r>
-            <a:r>
-              <a:rPr lang="en-US" altLang="zh-CN" dirty="0" smtClean="0"/>
-              <a:t>between positive </a:t>
-            </a:r>
-            <a:r>
-              <a:rPr lang="en-US" altLang="zh-CN" dirty="0"/>
-              <a:t>and negative interactions is set as 1 : </a:t>
-            </a:r>
-            <a:r>
-              <a:rPr lang="en-US" altLang="zh-CN" dirty="0" smtClean="0"/>
-              <a:t>100.</a:t>
-            </a:r>
-            <a:endParaRPr lang="zh-CN" altLang="en-US" dirty="0"/>
-          </a:p>
-        </p:txBody>
-      </p:sp>
-    </p:spTree>
-    <p:extLst>
-      <p:ext uri="{BB962C8B-B14F-4D97-AF65-F5344CB8AC3E}">
-        <p14:creationId xmlns:p14="http://schemas.microsoft.com/office/powerpoint/2010/main" val="3947346147"/>
-      </p:ext>
-    </p:extLst>
-  </p:cSld>
-  <p:clrMapOvr>
-    <a:masterClrMapping/>
-  </p:clrMapOvr>
-</p:sld>
-</file>
-
-<file path=ppt/slides/slide14.xml><?xml version="1.0" encoding="utf-8"?>
-<p:sld xmlns:a="http://schemas.openxmlformats.org/drawingml/2006/main" xmlns:r="http://schemas.openxmlformats.org/officeDocument/2006/relationships" xmlns:p="http://schemas.openxmlformats.org/presentationml/2006/main">
-  <p:cSld>
-    <p:spTree>
-      <p:nvGrpSpPr>
-        <p:cNvPr id="1" name=""/>
-        <p:cNvGrpSpPr/>
-        <p:nvPr/>
-      </p:nvGrpSpPr>
-      <p:grpSpPr>
-        <a:xfrm>
-          <a:off x="0" y="0"/>
-          <a:ext cx="0" cy="0"/>
-          <a:chOff x="0" y="0"/>
-          <a:chExt cx="0" cy="0"/>
-        </a:xfrm>
-      </p:grpSpPr>
-      <p:sp>
-        <p:nvSpPr>
-          <p:cNvPr id="2" name="标题 1"/>
-          <p:cNvSpPr>
-            <a:spLocks noGrp="1"/>
-          </p:cNvSpPr>
-          <p:nvPr>
-            <p:ph type="title"/>
-          </p:nvPr>
-        </p:nvSpPr>
-        <p:spPr/>
-        <p:txBody>
-          <a:bodyPr/>
-          <a:lstStyle/>
-          <a:p>
-            <a:r>
-              <a:rPr lang="en-US" altLang="zh-CN" dirty="0" smtClean="0"/>
               <a:t>Experiments: </a:t>
             </a:r>
             <a:r>
@@ -4255,7 +4222,7 @@
 </p:sld>
 </file>
 
-<file path=ppt/slides/slide15.xml><?xml version="1.0" encoding="utf-8"?>
+<file path=ppt/slides/slide14.xml><?xml version="1.0" encoding="utf-8"?>
 <p:sld xmlns:a="http://schemas.openxmlformats.org/drawingml/2006/main" xmlns:r="http://schemas.openxmlformats.org/officeDocument/2006/relationships" xmlns:p="http://schemas.openxmlformats.org/presentationml/2006/main">
   <p:cSld>
     <p:spTree>
@@ -4342,7 +4309,7 @@
 </p:sld>
 </file>
 
-<file path=ppt/slides/slide16.xml><?xml version="1.0" encoding="utf-8"?>
+<file path=ppt/slides/slide15.xml><?xml version="1.0" encoding="utf-8"?>
 <p:sld xmlns:a="http://schemas.openxmlformats.org/drawingml/2006/main" xmlns:r="http://schemas.openxmlformats.org/officeDocument/2006/relationships" xmlns:p="http://schemas.openxmlformats.org/presentationml/2006/main">
   <p:cSld>
     <p:spTree>
@@ -4376,11 +4343,7 @@
           <a:p>
             <a:r>
               <a:rPr lang="en-US" altLang="zh-CN" dirty="0" smtClean="0"/>
-              <a:t>Experiments: </a:t>
-            </a:r>
-            <a:r>
-              <a:rPr lang="en-US" altLang="zh-CN" dirty="0" smtClean="0"/>
-              <a:t>Effects </a:t>
+              <a:t>Experiments: Effects </a:t>
             </a:r>
             <a:r>
               <a:rPr lang="en-US" altLang="zh-CN" dirty="0"/>
@@ -4472,7 +4435,7 @@
 </p:sld>
 </file>
 
-<file path=ppt/slides/slide17.xml><?xml version="1.0" encoding="utf-8"?>
+<file path=ppt/slides/slide16.xml><?xml version="1.0" encoding="utf-8"?>
 <p:sld xmlns:a="http://schemas.openxmlformats.org/drawingml/2006/main" xmlns:r="http://schemas.openxmlformats.org/officeDocument/2006/relationships" xmlns:p="http://schemas.openxmlformats.org/presentationml/2006/main">
   <p:cSld>
     <p:spTree>
@@ -4555,7 +4518,7 @@
 </p:sld>
 </file>
 
-<file path=ppt/slides/slide18.xml><?xml version="1.0" encoding="utf-8"?>
+<file path=ppt/slides/slide17.xml><?xml version="1.0" encoding="utf-8"?>
 <p:sld xmlns:a="http://schemas.openxmlformats.org/drawingml/2006/main" xmlns:r="http://schemas.openxmlformats.org/officeDocument/2006/relationships" xmlns:p="http://schemas.openxmlformats.org/presentationml/2006/main">
   <p:cSld>
     <p:spTree>
@@ -4589,11 +4552,7 @@
           <a:p>
             <a:r>
               <a:rPr lang="en-US" altLang="zh-CN" dirty="0" smtClean="0"/>
-              <a:t>Experiments: Case </a:t>
-            </a:r>
-            <a:r>
-              <a:rPr lang="en-US" altLang="zh-CN" dirty="0" smtClean="0"/>
-              <a:t>Studies</a:t>
+              <a:t>Experiments: Case Studies</a:t>
             </a:r>
             <a:endParaRPr lang="zh-CN" altLang="en-US" dirty="0"/>
           </a:p>
@@ -4622,16 +4581,11 @@
               <a:rPr lang="en-US" altLang="zh-CN" dirty="0" smtClean="0"/>
               <a:t>rule (two path)</a:t>
             </a:r>
-            <a:endParaRPr lang="en-US" altLang="zh-CN" dirty="0" smtClean="0"/>
-          </a:p>
-          <a:p>
-            <a:r>
-              <a:rPr lang="en-US" altLang="zh-CN" dirty="0" smtClean="0"/>
-              <a:t>different paths describe the user-item connectivity from dissimilar </a:t>
-            </a:r>
-            <a:r>
-              <a:rPr lang="en-US" altLang="zh-CN" dirty="0" smtClean="0"/>
-              <a:t>angles</a:t>
+          </a:p>
+          <a:p>
+            <a:r>
+              <a:rPr lang="en-US" altLang="zh-CN" dirty="0" smtClean="0"/>
+              <a:t>different paths describe the user-item connectivity from dissimilar angles</a:t>
             </a:r>
           </a:p>
           <a:p>
@@ -4695,6 +4649,36 @@
 </p:sld>
 </file>
 
+<file path=ppt/slides/slide18.xml><?xml version="1.0" encoding="utf-8"?>
+<p:sld xmlns:a="http://schemas.openxmlformats.org/drawingml/2006/main" xmlns:r="http://schemas.openxmlformats.org/officeDocument/2006/relationships" xmlns:p="http://schemas.openxmlformats.org/presentationml/2006/main">
+  <p:cSld>
+    <p:spTree>
+      <p:nvGrpSpPr>
+        <p:cNvPr id="1" name=""/>
+        <p:cNvGrpSpPr/>
+        <p:nvPr/>
+      </p:nvGrpSpPr>
+      <p:grpSpPr>
+        <a:xfrm>
+          <a:off x="0" y="0"/>
+          <a:ext cx="0" cy="0"/>
+          <a:chOff x="0" y="0"/>
+          <a:chExt cx="0" cy="0"/>
+        </a:xfrm>
+      </p:grpSpPr>
+    </p:spTree>
+    <p:extLst>
+      <p:ext uri="{BB962C8B-B14F-4D97-AF65-F5344CB8AC3E}">
+        <p14:creationId xmlns:p14="http://schemas.microsoft.com/office/powerpoint/2010/main" val="1926826621"/>
+      </p:ext>
+    </p:extLst>
+  </p:cSld>
+  <p:clrMapOvr>
+    <a:masterClrMapping/>
+  </p:clrMapOvr>
+</p:sld>
+</file>
+
 <file path=ppt/slides/slide19.xml><?xml version="1.0" encoding="utf-8"?>
 <p:sld xmlns:a="http://schemas.openxmlformats.org/drawingml/2006/main" xmlns:r="http://schemas.openxmlformats.org/officeDocument/2006/relationships" xmlns:p="http://schemas.openxmlformats.org/presentationml/2006/main">
   <p:cSld>
@@ -4727,7 +4711,11 @@
           <a:bodyPr/>
           <a:lstStyle/>
           <a:p>
-            <a:endParaRPr lang="zh-CN" altLang="en-US"/>
+            <a:r>
+              <a:rPr lang="en-US" altLang="zh-CN" dirty="0" smtClean="0"/>
+              <a:t>Path Extraction</a:t>
+            </a:r>
+            <a:endParaRPr lang="zh-CN" altLang="en-US" dirty="0"/>
           </a:p>
         </p:txBody>
       </p:sp>
@@ -4746,14 +4734,50 @@
           <a:bodyPr/>
           <a:lstStyle/>
           <a:p>
-            <a:endParaRPr lang="zh-CN" altLang="en-US"/>
+            <a:r>
+              <a:rPr lang="en-US" altLang="zh-CN" dirty="0" smtClean="0"/>
+              <a:t>All paths: labor intensive and infeasible</a:t>
+            </a:r>
+          </a:p>
+          <a:p>
+            <a:r>
+              <a:rPr lang="en-US" altLang="zh-CN" dirty="0" smtClean="0"/>
+              <a:t>Sufficient paths:</a:t>
+            </a:r>
+          </a:p>
+          <a:p>
+            <a:pPr lvl="1"/>
+            <a:r>
+              <a:rPr lang="en-US" altLang="zh-CN" dirty="0" smtClean="0"/>
+              <a:t>truncating </a:t>
+            </a:r>
+            <a:r>
+              <a:rPr lang="en-US" altLang="zh-CN" dirty="0"/>
+              <a:t>all paths at a certain </a:t>
+            </a:r>
+            <a:r>
+              <a:rPr lang="en-US" altLang="zh-CN" dirty="0" smtClean="0"/>
+              <a:t>length (&lt;6)</a:t>
+            </a:r>
+          </a:p>
+          <a:p>
+            <a:pPr lvl="1"/>
+            <a:r>
+              <a:rPr lang="en-US" altLang="zh-CN" dirty="0" smtClean="0"/>
+              <a:t>disregarding remote </a:t>
+            </a:r>
+            <a:r>
+              <a:rPr lang="en-US" altLang="zh-CN" dirty="0"/>
+              <a:t>connections</a:t>
+            </a:r>
+            <a:endParaRPr lang="zh-CN" altLang="en-US" dirty="0"/>
           </a:p>
         </p:txBody>
       </p:sp>
     </p:spTree>
     <p:extLst>
       <p:ext uri="{BB962C8B-B14F-4D97-AF65-F5344CB8AC3E}">
-        <p14:creationId xmlns:p14="http://schemas.microsoft.com/office/powerpoint/2010/main" val="1926826621"/>
+        <p14:creationId xmlns:p14="http://schemas.microsoft.com/office/powerpoint/2010/main" val="826120398"/>
       </p:ext>
     </p:extLst>
   </p:cSld>
@@ -4792,83 +4816,134 @@
         </p:nvSpPr>
         <p:spPr/>
         <p:txBody>
+          <a:bodyPr/>
+          <a:lstStyle/>
+          <a:p>
+            <a:r>
+              <a:rPr lang="en-US" altLang="zh-CN" dirty="0" smtClean="0"/>
+              <a:t>Knowledge Graph</a:t>
+            </a:r>
+            <a:endParaRPr lang="zh-CN" altLang="en-US" dirty="0"/>
+          </a:p>
+        </p:txBody>
+      </p:sp>
+      <p:sp>
+        <p:nvSpPr>
+          <p:cNvPr id="3" name="内容占位符 2"/>
+          <p:cNvSpPr>
+            <a:spLocks noGrp="1"/>
+          </p:cNvSpPr>
+          <p:nvPr>
+            <p:ph idx="1"/>
+          </p:nvPr>
+        </p:nvSpPr>
+        <p:spPr/>
+        <p:txBody>
           <a:bodyPr>
-            <a:normAutofit fontScale="90000"/>
+            <a:normAutofit/>
           </a:bodyPr>
           <a:lstStyle/>
           <a:p>
             <a:r>
-              <a:rPr lang="en-US" altLang="zh-CN" dirty="0"/>
-              <a:t>Explainable Reasoning over </a:t>
-            </a:r>
-            <a:r>
-              <a:rPr lang="en-US" altLang="zh-CN" dirty="0">
+              <a:rPr lang="en-US" altLang="zh-CN" dirty="0" smtClean="0"/>
+              <a:t>Original KG</a:t>
+            </a:r>
+          </a:p>
+          <a:p>
+            <a:pPr lvl="1"/>
+            <a:r>
+              <a:rPr lang="en-US" altLang="zh-CN" dirty="0" smtClean="0"/>
+              <a:t>E (nodes), R (edges), KG = {(h,r,t)|h,t∈E, r∈R}</a:t>
+            </a:r>
+          </a:p>
+          <a:p>
+            <a:r>
+              <a:rPr lang="en-US" altLang="zh-CN" dirty="0" smtClean="0"/>
+              <a:t>user-item data</a:t>
+            </a:r>
+          </a:p>
+          <a:p>
+            <a:pPr lvl="1"/>
+            <a:r>
+              <a:rPr lang="en-US" altLang="zh-CN" dirty="0" smtClean="0">
                 <a:solidFill>
                   <a:srgbClr val="FF0000"/>
                 </a:solidFill>
               </a:rPr>
-              <a:t>Knowledge Graphs </a:t>
-            </a:r>
-            <a:r>
-              <a:rPr lang="en-US" altLang="zh-CN" dirty="0"/>
-              <a:t>for </a:t>
-            </a:r>
-            <a:r>
-              <a:rPr lang="en-US" altLang="zh-CN" dirty="0">
+              <a:t>bipartite graph, </a:t>
+            </a:r>
+            <a:endParaRPr lang="en-US" altLang="zh-CN" dirty="0" smtClean="0"/>
+          </a:p>
+          <a:p>
+            <a:pPr lvl="1"/>
+            <a:r>
+              <a:rPr lang="en-US" altLang="zh-CN" dirty="0" smtClean="0"/>
+              <a:t>M and N are the number of users and items</a:t>
+            </a:r>
+          </a:p>
+          <a:p>
+            <a:pPr lvl="1"/>
+            <a:r>
+              <a:rPr lang="en-US" altLang="zh-CN" dirty="0" smtClean="0"/>
+              <a:t>interaction: </a:t>
+            </a:r>
+            <a:r>
+              <a:rPr lang="el-GR" altLang="zh-CN" dirty="0" smtClean="0"/>
+              <a:t>τ</a:t>
+            </a:r>
+            <a:r>
+              <a:rPr lang="en-US" altLang="zh-CN" dirty="0" smtClean="0"/>
+              <a:t> =(u, interact, i), </a:t>
+            </a:r>
+            <a:r>
+              <a:rPr lang="en-US" altLang="zh-CN" dirty="0" smtClean="0">
                 <a:solidFill>
                   <a:srgbClr val="FF0000"/>
                 </a:solidFill>
               </a:rPr>
-              <a:t>Recommendation</a:t>
-            </a:r>
-            <a:r>
-              <a:rPr lang="en-US" altLang="zh-CN" dirty="0"/>
-              <a:t/>
-            </a:r>
-            <a:br>
-              <a:rPr lang="en-US" altLang="zh-CN" dirty="0"/>
-            </a:br>
+              <a:t>interact is a pre-defined relation</a:t>
+            </a:r>
+          </a:p>
+          <a:p>
+            <a:r>
+              <a:rPr lang="en-US" altLang="zh-CN" dirty="0" smtClean="0"/>
+              <a:t>KG</a:t>
+            </a:r>
+          </a:p>
+          <a:p>
+            <a:pPr lvl="1"/>
+            <a:r>
+              <a:rPr lang="en-US" altLang="zh-CN" dirty="0" smtClean="0"/>
+              <a:t>merge the item set and the entity set through </a:t>
+            </a:r>
+            <a:r>
+              <a:rPr lang="en-US" altLang="zh-CN" dirty="0" smtClean="0">
+                <a:solidFill>
+                  <a:srgbClr val="FF0000"/>
+                </a:solidFill>
+              </a:rPr>
+              <a:t>string matching</a:t>
+            </a:r>
+            <a:r>
+              <a:rPr lang="en-US" altLang="zh-CN" dirty="0" smtClean="0"/>
+              <a:t>: I ∈ E.</a:t>
+            </a:r>
+          </a:p>
+          <a:p>
+            <a:pPr lvl="1"/>
+            <a:r>
+              <a:rPr lang="en-US" altLang="zh-CN" dirty="0" smtClean="0"/>
+              <a:t>KG = {(h,r,t)|h,t∈E’, r∈R’}, E’ = E∪U, R’ = R ∪{interact}</a:t>
+            </a:r>
+          </a:p>
+          <a:p>
             <a:endParaRPr lang="zh-CN" altLang="en-US" dirty="0"/>
-          </a:p>
-        </p:txBody>
-      </p:sp>
-      <p:sp>
-        <p:nvSpPr>
-          <p:cNvPr id="3" name="内容占位符 2"/>
-          <p:cNvSpPr>
-            <a:spLocks noGrp="1"/>
-          </p:cNvSpPr>
-          <p:nvPr>
-            <p:ph idx="1"/>
-          </p:nvPr>
-        </p:nvSpPr>
-        <p:spPr/>
-        <p:txBody>
-          <a:bodyPr/>
-          <a:lstStyle/>
-          <a:p>
-            <a:r>
-              <a:rPr lang="en-US" altLang="zh-CN" dirty="0" smtClean="0"/>
-              <a:t>Goal: infer user u preference on item i</a:t>
-            </a:r>
-          </a:p>
-          <a:p>
-            <a:r>
-              <a:rPr lang="en-US" altLang="zh-CN" dirty="0" smtClean="0"/>
-              <a:t>Input: paths connects u and i</a:t>
-            </a:r>
-          </a:p>
-          <a:p>
-            <a:r>
-              <a:rPr lang="en-US" altLang="zh-CN" dirty="0" smtClean="0"/>
-              <a:t>Output: score</a:t>
-            </a:r>
           </a:p>
         </p:txBody>
       </p:sp>
       <p:pic>
         <p:nvPicPr>
-          <p:cNvPr id="4" name="图片 3"/>
+          <p:cNvPr id="5" name="图片 4"/>
           <p:cNvPicPr>
             <a:picLocks noChangeAspect="1"/>
           </p:cNvPicPr>
@@ -4882,8 +4957,32 @@
         </p:blipFill>
         <p:spPr>
           <a:xfrm>
-            <a:off x="5693371" y="2983346"/>
-            <a:ext cx="6498629" cy="3874654"/>
+            <a:off x="3822584" y="3234873"/>
+            <a:ext cx="1828800" cy="371475"/>
+          </a:xfrm>
+          <a:prstGeom prst="rect">
+            <a:avLst/>
+          </a:prstGeom>
+        </p:spPr>
+      </p:pic>
+      <p:pic>
+        <p:nvPicPr>
+          <p:cNvPr id="6" name="图片 5"/>
+          <p:cNvPicPr>
+            <a:picLocks noChangeAspect="1"/>
+          </p:cNvPicPr>
+          <p:nvPr/>
+        </p:nvPicPr>
+        <p:blipFill>
+          <a:blip r:embed="rId3"/>
+          <a:stretch>
+            <a:fillRect/>
+          </a:stretch>
+        </p:blipFill>
+        <p:spPr>
+          <a:xfrm>
+            <a:off x="6096000" y="3234873"/>
+            <a:ext cx="1552575" cy="361950"/>
           </a:xfrm>
           <a:prstGeom prst="rect">
             <a:avLst/>
@@ -4893,7 +4992,7 @@
     </p:spTree>
     <p:extLst>
       <p:ext uri="{BB962C8B-B14F-4D97-AF65-F5344CB8AC3E}">
-        <p14:creationId xmlns:p14="http://schemas.microsoft.com/office/powerpoint/2010/main" val="3416280589"/>
+        <p14:creationId xmlns:p14="http://schemas.microsoft.com/office/powerpoint/2010/main" val="2927360868"/>
       </p:ext>
     </p:extLst>
   </p:cSld>
@@ -6128,23 +6227,7 @@
             <a:pPr lvl="1"/>
             <a:r>
               <a:rPr lang="en-US" altLang="zh-CN" dirty="0" smtClean="0"/>
-              <a:t>KG = {(h,r,t)|h,t</a:t>
-            </a:r>
-            <a:r>
-              <a:rPr lang="en-US" altLang="zh-CN" dirty="0" smtClean="0"/>
-              <a:t>∈</a:t>
-            </a:r>
-            <a:r>
-              <a:rPr lang="en-US" altLang="zh-CN" dirty="0" smtClean="0"/>
-              <a:t>E, r</a:t>
-            </a:r>
-            <a:r>
-              <a:rPr lang="en-US" altLang="zh-CN" dirty="0" smtClean="0"/>
-              <a:t>∈</a:t>
-            </a:r>
-            <a:r>
-              <a:rPr lang="en-US" altLang="zh-CN" dirty="0" smtClean="0"/>
-              <a:t>R}</a:t>
+              <a:t>KG = {(h,r,t)|h,t∈E, r∈R}</a:t>
             </a:r>
           </a:p>
           <a:p>
@@ -6304,8 +6387,8 @@
           </a:p>
         </p:txBody>
       </p:sp>
-      <mc:AlternateContent xmlns:mc="http://schemas.openxmlformats.org/markup-compatibility/2006">
-        <mc:Choice xmlns:a14="http://schemas.microsoft.com/office/drawing/2010/main" Requires="a14">
+      <mc:AlternateContent xmlns:mc="http://schemas.openxmlformats.org/markup-compatibility/2006" xmlns:a14="http://schemas.microsoft.com/office/drawing/2010/main">
+        <mc:Choice Requires="a14">
           <p:sp>
             <p:nvSpPr>
               <p:cNvPr id="8" name="文本框 7"/>
@@ -6328,6 +6411,7 @@
               </a:bodyPr>
               <a:lstStyle/>
               <a:p>
+                <a:pPr/>
                 <a14:m>
                   <m:oMathPara xmlns:m="http://schemas.openxmlformats.org/officeDocument/2006/math">
                     <m:oMathParaPr>
@@ -6421,7 +6505,7 @@
             </p:txBody>
           </p:sp>
         </mc:Choice>
-        <mc:Fallback>
+        <mc:Fallback xmlns="">
           <p:sp>
             <p:nvSpPr>
               <p:cNvPr id="8" name="文本框 7"/>
@@ -6460,8 +6544,8 @@
           </p:sp>
         </mc:Fallback>
       </mc:AlternateContent>
-      <mc:AlternateContent xmlns:mc="http://schemas.openxmlformats.org/markup-compatibility/2006">
-        <mc:Choice xmlns:a14="http://schemas.microsoft.com/office/drawing/2010/main" Requires="a14">
+      <mc:AlternateContent xmlns:mc="http://schemas.openxmlformats.org/markup-compatibility/2006" xmlns:a14="http://schemas.microsoft.com/office/drawing/2010/main">
+        <mc:Choice Requires="a14">
           <p:sp>
             <p:nvSpPr>
               <p:cNvPr id="9" name="文本框 8"/>
@@ -6484,6 +6568,7 @@
               </a:bodyPr>
               <a:lstStyle/>
               <a:p>
+                <a:pPr/>
                 <a14:m>
                   <m:oMathPara xmlns:m="http://schemas.openxmlformats.org/officeDocument/2006/math">
                     <m:oMathParaPr>
@@ -6577,7 +6662,7 @@
             </p:txBody>
           </p:sp>
         </mc:Choice>
-        <mc:Fallback>
+        <mc:Fallback xmlns="">
           <p:sp>
             <p:nvSpPr>
               <p:cNvPr id="9" name="文本框 8"/>
@@ -6665,134 +6750,83 @@
         </p:nvSpPr>
         <p:spPr/>
         <p:txBody>
-          <a:bodyPr/>
-          <a:lstStyle/>
-          <a:p>
-            <a:r>
-              <a:rPr lang="en-US" altLang="zh-CN" dirty="0" smtClean="0"/>
-              <a:t>Knowledge Graph</a:t>
-            </a:r>
-            <a:endParaRPr lang="zh-CN" altLang="en-US" dirty="0"/>
-          </a:p>
-        </p:txBody>
-      </p:sp>
-      <p:sp>
-        <p:nvSpPr>
-          <p:cNvPr id="3" name="内容占位符 2"/>
-          <p:cNvSpPr>
-            <a:spLocks noGrp="1"/>
-          </p:cNvSpPr>
-          <p:nvPr>
-            <p:ph idx="1"/>
-          </p:nvPr>
-        </p:nvSpPr>
-        <p:spPr/>
-        <p:txBody>
           <a:bodyPr>
-            <a:normAutofit/>
+            <a:normAutofit fontScale="90000"/>
           </a:bodyPr>
           <a:lstStyle/>
           <a:p>
             <a:r>
-              <a:rPr lang="en-US" altLang="zh-CN" dirty="0" smtClean="0"/>
-              <a:t>Original KG</a:t>
-            </a:r>
-          </a:p>
-          <a:p>
-            <a:pPr lvl="1"/>
-            <a:r>
-              <a:rPr lang="en-US" altLang="zh-CN" dirty="0" smtClean="0"/>
-              <a:t>E (nodes), R (edges), KG = {(h,r,t)|h,t∈E, r∈R}</a:t>
-            </a:r>
-          </a:p>
-          <a:p>
-            <a:r>
-              <a:rPr lang="en-US" altLang="zh-CN" dirty="0" smtClean="0"/>
-              <a:t>user-item data</a:t>
-            </a:r>
-          </a:p>
-          <a:p>
-            <a:pPr lvl="1"/>
-            <a:r>
-              <a:rPr lang="en-US" altLang="zh-CN" dirty="0" smtClean="0">
+              <a:rPr lang="en-US" altLang="zh-CN" dirty="0"/>
+              <a:t>Explainable Reasoning over </a:t>
+            </a:r>
+            <a:r>
+              <a:rPr lang="en-US" altLang="zh-CN" dirty="0">
                 <a:solidFill>
                   <a:srgbClr val="FF0000"/>
                 </a:solidFill>
               </a:rPr>
-              <a:t>bipartite graph, </a:t>
-            </a:r>
-            <a:endParaRPr lang="en-US" altLang="zh-CN" dirty="0" smtClean="0"/>
-          </a:p>
-          <a:p>
-            <a:pPr lvl="1"/>
-            <a:r>
-              <a:rPr lang="en-US" altLang="zh-CN" dirty="0" smtClean="0"/>
-              <a:t>M and N are the number of users and items</a:t>
-            </a:r>
-          </a:p>
-          <a:p>
-            <a:pPr lvl="1"/>
-            <a:r>
-              <a:rPr lang="en-US" altLang="zh-CN" dirty="0" smtClean="0"/>
-              <a:t>interaction: </a:t>
-            </a:r>
-            <a:r>
-              <a:rPr lang="el-GR" altLang="zh-CN" dirty="0" smtClean="0"/>
-              <a:t>τ</a:t>
-            </a:r>
-            <a:r>
-              <a:rPr lang="en-US" altLang="zh-CN" dirty="0" smtClean="0"/>
-              <a:t> =(u, interact, i), </a:t>
-            </a:r>
-            <a:r>
-              <a:rPr lang="en-US" altLang="zh-CN" dirty="0" smtClean="0">
+              <a:t>Knowledge Graphs </a:t>
+            </a:r>
+            <a:r>
+              <a:rPr lang="en-US" altLang="zh-CN" dirty="0"/>
+              <a:t>for </a:t>
+            </a:r>
+            <a:r>
+              <a:rPr lang="en-US" altLang="zh-CN" dirty="0">
                 <a:solidFill>
                   <a:srgbClr val="FF0000"/>
                 </a:solidFill>
               </a:rPr>
-              <a:t>interact is a pre-defined relation</a:t>
-            </a:r>
-          </a:p>
-          <a:p>
-            <a:r>
-              <a:rPr lang="en-US" altLang="zh-CN" dirty="0" smtClean="0"/>
-              <a:t>KG</a:t>
-            </a:r>
-          </a:p>
-          <a:p>
-            <a:pPr lvl="1"/>
-            <a:r>
-              <a:rPr lang="en-US" altLang="zh-CN" dirty="0" smtClean="0"/>
-              <a:t>merge the item set and the entity set through </a:t>
-            </a:r>
-            <a:r>
-              <a:rPr lang="en-US" altLang="zh-CN" dirty="0" smtClean="0">
-                <a:solidFill>
-                  <a:srgbClr val="FF0000"/>
-                </a:solidFill>
-              </a:rPr>
-              <a:t>string matching</a:t>
-            </a:r>
-            <a:r>
-              <a:rPr lang="en-US" altLang="zh-CN" dirty="0" smtClean="0"/>
-              <a:t>: I ∈ E.</a:t>
-            </a:r>
-          </a:p>
-          <a:p>
-            <a:pPr lvl="1"/>
-            <a:r>
-              <a:rPr lang="en-US" altLang="zh-CN" dirty="0" smtClean="0"/>
-              <a:t>KG = {(h,r,t)|h,t∈E’, r∈R’}, E’ = E∪U, R’ = R ∪{interact}</a:t>
-            </a:r>
-          </a:p>
-          <a:p>
+              <a:t>Recommendation</a:t>
+            </a:r>
+            <a:r>
+              <a:rPr lang="en-US" altLang="zh-CN" dirty="0"/>
+              <a:t/>
+            </a:r>
+            <a:br>
+              <a:rPr lang="en-US" altLang="zh-CN" dirty="0"/>
+            </a:br>
             <a:endParaRPr lang="zh-CN" altLang="en-US" dirty="0"/>
+          </a:p>
+        </p:txBody>
+      </p:sp>
+      <p:sp>
+        <p:nvSpPr>
+          <p:cNvPr id="3" name="内容占位符 2"/>
+          <p:cNvSpPr>
+            <a:spLocks noGrp="1"/>
+          </p:cNvSpPr>
+          <p:nvPr>
+            <p:ph idx="1"/>
+          </p:nvPr>
+        </p:nvSpPr>
+        <p:spPr/>
+        <p:txBody>
+          <a:bodyPr/>
+          <a:lstStyle/>
+          <a:p>
+            <a:r>
+              <a:rPr lang="en-US" altLang="zh-CN" dirty="0" smtClean="0"/>
+              <a:t>Goal: infer user u preference on item i</a:t>
+            </a:r>
+          </a:p>
+          <a:p>
+            <a:r>
+              <a:rPr lang="en-US" altLang="zh-CN" dirty="0" smtClean="0"/>
+              <a:t>Input: paths connects u and i</a:t>
+            </a:r>
+          </a:p>
+          <a:p>
+            <a:r>
+              <a:rPr lang="en-US" altLang="zh-CN" dirty="0" smtClean="0"/>
+              <a:t>Output: score</a:t>
+            </a:r>
           </a:p>
         </p:txBody>
       </p:sp>
       <p:pic>
         <p:nvPicPr>
-          <p:cNvPr id="5" name="图片 4"/>
+          <p:cNvPr id="4" name="图片 3"/>
           <p:cNvPicPr>
             <a:picLocks noChangeAspect="1"/>
           </p:cNvPicPr>
@@ -6806,32 +6840,8 @@
         </p:blipFill>
         <p:spPr>
           <a:xfrm>
-            <a:off x="3822584" y="3234873"/>
-            <a:ext cx="1828800" cy="371475"/>
-          </a:xfrm>
-          <a:prstGeom prst="rect">
-            <a:avLst/>
-          </a:prstGeom>
-        </p:spPr>
-      </p:pic>
-      <p:pic>
-        <p:nvPicPr>
-          <p:cNvPr id="6" name="图片 5"/>
-          <p:cNvPicPr>
-            <a:picLocks noChangeAspect="1"/>
-          </p:cNvPicPr>
-          <p:nvPr/>
-        </p:nvPicPr>
-        <p:blipFill>
-          <a:blip r:embed="rId3"/>
-          <a:stretch>
-            <a:fillRect/>
-          </a:stretch>
-        </p:blipFill>
-        <p:spPr>
-          <a:xfrm>
-            <a:off x="6096000" y="3234873"/>
-            <a:ext cx="1552575" cy="361950"/>
+            <a:off x="5693371" y="2983346"/>
+            <a:ext cx="6498629" cy="3874654"/>
           </a:xfrm>
           <a:prstGeom prst="rect">
             <a:avLst/>
@@ -6841,7 +6851,7 @@
     </p:spTree>
     <p:extLst>
       <p:ext uri="{BB962C8B-B14F-4D97-AF65-F5344CB8AC3E}">
-        <p14:creationId xmlns:p14="http://schemas.microsoft.com/office/powerpoint/2010/main" val="2927360868"/>
+        <p14:creationId xmlns:p14="http://schemas.microsoft.com/office/powerpoint/2010/main" val="3416280589"/>
       </p:ext>
     </p:extLst>
   </p:cSld>
@@ -7096,21 +7106,8 @@
                   <a:srgbClr val="FF0000"/>
                 </a:solidFill>
               </a:rPr>
-              <a:t>p3: </a:t>
-            </a:r>
-            <a:r>
-              <a:rPr lang="en-US" altLang="zh-CN" dirty="0" smtClean="0">
-                <a:solidFill>
-                  <a:srgbClr val="FF0000"/>
-                </a:solidFill>
-              </a:rPr>
-              <a:t>collaborative filtering</a:t>
-            </a:r>
-            <a:endParaRPr lang="en-US" altLang="zh-CN" dirty="0" smtClean="0">
-              <a:solidFill>
-                <a:srgbClr val="FF0000"/>
-              </a:solidFill>
-            </a:endParaRPr>
+              <a:t>p3: collaborative filtering</a:t>
+            </a:r>
           </a:p>
         </p:txBody>
       </p:sp>
@@ -7216,11 +7213,7 @@
           <a:p>
             <a:r>
               <a:rPr lang="en-US" altLang="zh-CN" dirty="0" smtClean="0"/>
-              <a:t>KPRN: </a:t>
-            </a:r>
-            <a:r>
-              <a:rPr lang="en-US" altLang="zh-CN" dirty="0" smtClean="0"/>
-              <a:t>Task </a:t>
+              <a:t>KPRN: Task </a:t>
             </a:r>
             <a:r>
               <a:rPr lang="en-US" altLang="zh-CN" dirty="0"/>
@@ -8468,7 +8461,7 @@
           <a:p>
             <a:r>
               <a:rPr lang="en-US" altLang="zh-CN" dirty="0" smtClean="0"/>
-              <a:t>Path Extraction</a:t>
+              <a:t>Model</a:t>
             </a:r>
             <a:endParaRPr lang="zh-CN" altLang="en-US" dirty="0"/>
           </a:p>
@@ -8476,7 +8469,7 @@
       </p:sp>
       <p:sp>
         <p:nvSpPr>
-          <p:cNvPr id="3" name="内容占位符 2"/>
+          <p:cNvPr id="5" name="内容占位符 4"/>
           <p:cNvSpPr>
             <a:spLocks noGrp="1"/>
           </p:cNvSpPr>
@@ -8484,55 +8477,78 @@
             <p:ph idx="1"/>
           </p:nvPr>
         </p:nvSpPr>
-        <p:spPr/>
-        <p:txBody>
-          <a:bodyPr/>
-          <a:lstStyle/>
-          <a:p>
-            <a:r>
-              <a:rPr lang="en-US" altLang="zh-CN" dirty="0" smtClean="0"/>
-              <a:t>All paths: labor intensive and infeasible</a:t>
-            </a:r>
-          </a:p>
-          <a:p>
-            <a:r>
-              <a:rPr lang="en-US" altLang="zh-CN" dirty="0" smtClean="0"/>
-              <a:t>Sufficient paths:</a:t>
-            </a:r>
-          </a:p>
-          <a:p>
-            <a:pPr lvl="1"/>
-            <a:r>
-              <a:rPr lang="en-US" altLang="zh-CN" dirty="0" smtClean="0"/>
-              <a:t>truncating </a:t>
-            </a:r>
-            <a:r>
-              <a:rPr lang="en-US" altLang="zh-CN" dirty="0"/>
-              <a:t>all paths at a certain </a:t>
-            </a:r>
-            <a:r>
-              <a:rPr lang="en-US" altLang="zh-CN" dirty="0" smtClean="0"/>
-              <a:t>length (&lt;6)</a:t>
-            </a:r>
-          </a:p>
-          <a:p>
-            <a:pPr lvl="1"/>
-            <a:r>
-              <a:rPr lang="en-US" altLang="zh-CN" dirty="0" smtClean="0"/>
-              <a:t>disregarding remote </a:t>
-            </a:r>
-            <a:r>
-              <a:rPr lang="en-US" altLang="zh-CN" dirty="0"/>
-              <a:t>connections</a:t>
-            </a:r>
+        <p:spPr>
+          <a:xfrm>
+            <a:off x="838200" y="1459684"/>
+            <a:ext cx="10515600" cy="4717279"/>
+          </a:xfrm>
+        </p:spPr>
+        <p:txBody>
+          <a:bodyPr/>
+          <a:lstStyle/>
+          <a:p>
+            <a:r>
+              <a:rPr lang="en-US" altLang="zh-CN" dirty="0" smtClean="0"/>
+              <a:t>Embedding Layer, LSTM Layer, Pooling Layer</a:t>
+            </a:r>
+          </a:p>
+          <a:p>
             <a:endParaRPr lang="zh-CN" altLang="en-US" dirty="0"/>
           </a:p>
         </p:txBody>
       </p:sp>
+      <p:pic>
+        <p:nvPicPr>
+          <p:cNvPr id="7" name="内容占位符 3"/>
+          <p:cNvPicPr>
+            <a:picLocks noChangeAspect="1"/>
+          </p:cNvPicPr>
+          <p:nvPr/>
+        </p:nvPicPr>
+        <p:blipFill>
+          <a:blip r:embed="rId2"/>
+          <a:stretch>
+            <a:fillRect/>
+          </a:stretch>
+        </p:blipFill>
+        <p:spPr>
+          <a:xfrm>
+            <a:off x="838200" y="3185121"/>
+            <a:ext cx="10515600" cy="3672879"/>
+          </a:xfrm>
+          <a:prstGeom prst="rect">
+            <a:avLst/>
+          </a:prstGeom>
+        </p:spPr>
+      </p:pic>
+      <p:pic>
+        <p:nvPicPr>
+          <p:cNvPr id="8" name="图片 7"/>
+          <p:cNvPicPr>
+            <a:picLocks noChangeAspect="1"/>
+          </p:cNvPicPr>
+          <p:nvPr/>
+        </p:nvPicPr>
+        <p:blipFill>
+          <a:blip r:embed="rId3"/>
+          <a:stretch>
+            <a:fillRect/>
+          </a:stretch>
+        </p:blipFill>
+        <p:spPr>
+          <a:xfrm>
+            <a:off x="1358318" y="2199692"/>
+            <a:ext cx="6724650" cy="876300"/>
+          </a:xfrm>
+          <a:prstGeom prst="rect">
+            <a:avLst/>
+          </a:prstGeom>
+        </p:spPr>
+      </p:pic>
     </p:spTree>
     <p:extLst>
       <p:ext uri="{BB962C8B-B14F-4D97-AF65-F5344CB8AC3E}">
-        <p14:creationId xmlns:p14="http://schemas.microsoft.com/office/powerpoint/2010/main" val="826120398"/>
+        <p14:creationId xmlns:p14="http://schemas.microsoft.com/office/powerpoint/2010/main" val="1945107058"/>
       </p:ext>
     </p:extLst>
   </p:cSld>
@@ -9067,11 +9083,7 @@
           <a:p>
             <a:r>
               <a:rPr lang="en-US" altLang="zh-CN" dirty="0" smtClean="0"/>
-              <a:t>Experiments: </a:t>
-            </a:r>
-            <a:r>
-              <a:rPr lang="en-US" altLang="zh-CN" dirty="0" smtClean="0"/>
-              <a:t>Path </a:t>
+              <a:t>Experiments: Path </a:t>
             </a:r>
             <a:r>
               <a:rPr lang="en-US" altLang="zh-CN" dirty="0"/>
@@ -9590,11 +9602,7 @@
           <a:p>
             <a:r>
               <a:rPr lang="en-US" altLang="zh-CN" dirty="0" smtClean="0"/>
-              <a:t>Experiments: </a:t>
-            </a:r>
-            <a:r>
-              <a:rPr lang="en-US" altLang="zh-CN" dirty="0" smtClean="0"/>
-              <a:t>Effects </a:t>
+              <a:t>Experiments: Effects </a:t>
             </a:r>
             <a:r>
               <a:rPr lang="en-US" altLang="zh-CN" dirty="0"/>
@@ -9803,7 +9811,15 @@
           <a:p>
             <a:r>
               <a:rPr lang="en-US" altLang="zh-CN" dirty="0" smtClean="0"/>
-              <a:t>Model</a:t>
+              <a:t>Model: </a:t>
+            </a:r>
+            <a:r>
+              <a:rPr lang="en-US" altLang="zh-CN" dirty="0"/>
+              <a:t>Embedding Layer</a:t>
+            </a:r>
+            <a:r>
+              <a:rPr lang="en-US" altLang="zh-CN" dirty="0" smtClean="0"/>
+              <a:t>:</a:t>
             </a:r>
             <a:endParaRPr lang="zh-CN" altLang="en-US" dirty="0"/>
           </a:p>
@@ -9811,7 +9827,7 @@
       </p:sp>
       <p:sp>
         <p:nvSpPr>
-          <p:cNvPr id="5" name="内容占位符 4"/>
+          <p:cNvPr id="3" name="内容占位符 2"/>
           <p:cNvSpPr>
             <a:spLocks noGrp="1"/>
           </p:cNvSpPr>
@@ -9826,7 +9842,45 @@
           <a:p>
             <a:r>
               <a:rPr lang="en-US" altLang="zh-CN" dirty="0" smtClean="0"/>
-              <a:t>Embedding Layer, LSTM Layer, Pooling Layer</a:t>
+              <a:t>three </a:t>
+            </a:r>
+            <a:r>
+              <a:rPr lang="en-US" altLang="zh-CN" dirty="0"/>
+              <a:t>types of IDs</a:t>
+            </a:r>
+            <a:endParaRPr lang="en-US" altLang="zh-CN" dirty="0" smtClean="0"/>
+          </a:p>
+          <a:p>
+            <a:pPr lvl="1"/>
+            <a:r>
+              <a:rPr lang="en-US" altLang="zh-CN" dirty="0" smtClean="0"/>
+              <a:t>entity value</a:t>
+            </a:r>
+          </a:p>
+          <a:p>
+            <a:pPr lvl="1"/>
+            <a:r>
+              <a:rPr lang="en-US" altLang="zh-CN" dirty="0" smtClean="0"/>
+              <a:t>entity type</a:t>
+            </a:r>
+          </a:p>
+          <a:p>
+            <a:pPr lvl="1"/>
+            <a:r>
+              <a:rPr lang="en-US" altLang="zh-CN" dirty="0" smtClean="0"/>
+              <a:t>relation: same entity-entity with </a:t>
+            </a:r>
+            <a:r>
+              <a:rPr lang="en-US" altLang="zh-CN" dirty="0" smtClean="0">
+                <a:solidFill>
+                  <a:srgbClr val="FF0000"/>
+                </a:solidFill>
+              </a:rPr>
+              <a:t>different relations </a:t>
+            </a:r>
+            <a:r>
+              <a:rPr lang="en-US" altLang="zh-CN" dirty="0" smtClean="0"/>
+              <a:t>is important</a:t>
             </a:r>
           </a:p>
           <a:p>
@@ -9836,7 +9890,7 @@
       </p:sp>
       <p:pic>
         <p:nvPicPr>
-          <p:cNvPr id="7" name="内容占位符 3"/>
+          <p:cNvPr id="4" name="图片 3"/>
           <p:cNvPicPr>
             <a:picLocks noChangeAspect="1"/>
           </p:cNvPicPr>
@@ -9850,32 +9904,8 @@
         </p:blipFill>
         <p:spPr>
           <a:xfrm>
-            <a:off x="838200" y="3124869"/>
-            <a:ext cx="10515600" cy="3672879"/>
-          </a:xfrm>
-          <a:prstGeom prst="rect">
-            <a:avLst/>
-          </a:prstGeom>
-        </p:spPr>
-      </p:pic>
-      <p:pic>
-        <p:nvPicPr>
-          <p:cNvPr id="8" name="图片 7"/>
-          <p:cNvPicPr>
-            <a:picLocks noChangeAspect="1"/>
-          </p:cNvPicPr>
-          <p:nvPr/>
-        </p:nvPicPr>
-        <p:blipFill>
-          <a:blip r:embed="rId3"/>
-          <a:stretch>
-            <a:fillRect/>
-          </a:stretch>
-        </p:blipFill>
-        <p:spPr>
-          <a:xfrm>
-            <a:off x="1282817" y="2420398"/>
-            <a:ext cx="6724650" cy="876300"/>
+            <a:off x="280987" y="4062238"/>
+            <a:ext cx="11630025" cy="1905000"/>
           </a:xfrm>
           <a:prstGeom prst="rect">
             <a:avLst/>
@@ -9885,7 +9915,7 @@
     </p:spTree>
     <p:extLst>
       <p:ext uri="{BB962C8B-B14F-4D97-AF65-F5344CB8AC3E}">
-        <p14:creationId xmlns:p14="http://schemas.microsoft.com/office/powerpoint/2010/main" val="1945107058"/>
+        <p14:creationId xmlns:p14="http://schemas.microsoft.com/office/powerpoint/2010/main" val="621093560"/>
       </p:ext>
     </p:extLst>
   </p:cSld>
@@ -10381,151 +10411,11 @@
           <a:p>
             <a:r>
               <a:rPr lang="en-US" altLang="zh-CN" dirty="0" smtClean="0"/>
-              <a:t>Model</a:t>
-            </a:r>
-            <a:endParaRPr lang="zh-CN" altLang="en-US" dirty="0"/>
-          </a:p>
-        </p:txBody>
-      </p:sp>
-      <p:sp>
-        <p:nvSpPr>
-          <p:cNvPr id="3" name="内容占位符 2"/>
-          <p:cNvSpPr>
-            <a:spLocks noGrp="1"/>
-          </p:cNvSpPr>
-          <p:nvPr>
-            <p:ph idx="1"/>
-          </p:nvPr>
-        </p:nvSpPr>
-        <p:spPr/>
-        <p:txBody>
-          <a:bodyPr/>
-          <a:lstStyle/>
-          <a:p>
-            <a:r>
-              <a:rPr lang="en-US" altLang="zh-CN" dirty="0" smtClean="0"/>
-              <a:t>Embedding Layer: </a:t>
+              <a:t>Model: </a:t>
             </a:r>
             <a:r>
               <a:rPr lang="en-US" altLang="zh-CN" dirty="0"/>
-              <a:t>three types of IDs</a:t>
-            </a:r>
-            <a:endParaRPr lang="en-US" altLang="zh-CN" dirty="0" smtClean="0"/>
-          </a:p>
-          <a:p>
-            <a:pPr lvl="1"/>
-            <a:r>
-              <a:rPr lang="en-US" altLang="zh-CN" dirty="0" smtClean="0"/>
-              <a:t>entity value</a:t>
-            </a:r>
-          </a:p>
-          <a:p>
-            <a:pPr lvl="1"/>
-            <a:r>
-              <a:rPr lang="en-US" altLang="zh-CN" dirty="0" smtClean="0"/>
-              <a:t>entity type</a:t>
-            </a:r>
-          </a:p>
-          <a:p>
-            <a:pPr lvl="1"/>
-            <a:r>
-              <a:rPr lang="en-US" altLang="zh-CN" dirty="0" smtClean="0"/>
-              <a:t>relation: </a:t>
-            </a:r>
-            <a:r>
-              <a:rPr lang="en-US" altLang="zh-CN" dirty="0" smtClean="0"/>
-              <a:t>same entity-entity with </a:t>
-            </a:r>
-            <a:r>
-              <a:rPr lang="en-US" altLang="zh-CN" dirty="0" smtClean="0">
-                <a:solidFill>
-                  <a:srgbClr val="FF0000"/>
-                </a:solidFill>
-              </a:rPr>
-              <a:t>different relations </a:t>
-            </a:r>
-            <a:r>
-              <a:rPr lang="en-US" altLang="zh-CN" dirty="0" smtClean="0"/>
-              <a:t>is important</a:t>
-            </a:r>
-          </a:p>
-          <a:p>
-            <a:endParaRPr lang="zh-CN" altLang="en-US" dirty="0"/>
-          </a:p>
-        </p:txBody>
-      </p:sp>
-      <p:pic>
-        <p:nvPicPr>
-          <p:cNvPr id="4" name="图片 3"/>
-          <p:cNvPicPr>
-            <a:picLocks noChangeAspect="1"/>
-          </p:cNvPicPr>
-          <p:nvPr/>
-        </p:nvPicPr>
-        <p:blipFill>
-          <a:blip r:embed="rId2"/>
-          <a:stretch>
-            <a:fillRect/>
-          </a:stretch>
-        </p:blipFill>
-        <p:spPr>
-          <a:xfrm>
-            <a:off x="280987" y="4062238"/>
-            <a:ext cx="11630025" cy="1905000"/>
-          </a:xfrm>
-          <a:prstGeom prst="rect">
-            <a:avLst/>
-          </a:prstGeom>
-        </p:spPr>
-      </p:pic>
-    </p:spTree>
-    <p:extLst>
-      <p:ext uri="{BB962C8B-B14F-4D97-AF65-F5344CB8AC3E}">
-        <p14:creationId xmlns:p14="http://schemas.microsoft.com/office/powerpoint/2010/main" val="621093560"/>
-      </p:ext>
-    </p:extLst>
-  </p:cSld>
-  <p:clrMapOvr>
-    <a:masterClrMapping/>
-  </p:clrMapOvr>
-</p:sld>
-</file>
-
-<file path=ppt/slides/slide7.xml><?xml version="1.0" encoding="utf-8"?>
-<p:sld xmlns:a="http://schemas.openxmlformats.org/drawingml/2006/main" xmlns:r="http://schemas.openxmlformats.org/officeDocument/2006/relationships" xmlns:p="http://schemas.openxmlformats.org/presentationml/2006/main">
-  <p:cSld>
-    <p:spTree>
-      <p:nvGrpSpPr>
-        <p:cNvPr id="1" name=""/>
-        <p:cNvGrpSpPr/>
-        <p:nvPr/>
-      </p:nvGrpSpPr>
-      <p:grpSpPr>
-        <a:xfrm>
-          <a:off x="0" y="0"/>
-          <a:ext cx="0" cy="0"/>
-          <a:chOff x="0" y="0"/>
-          <a:chExt cx="0" cy="0"/>
-        </a:xfrm>
-      </p:grpSpPr>
-      <p:sp>
-        <p:nvSpPr>
-          <p:cNvPr id="2" name="标题 1"/>
-          <p:cNvSpPr>
-            <a:spLocks noGrp="1"/>
-          </p:cNvSpPr>
-          <p:nvPr>
-            <p:ph type="title"/>
-          </p:nvPr>
-        </p:nvSpPr>
-        <p:spPr/>
-        <p:txBody>
-          <a:bodyPr/>
-          <a:lstStyle/>
-          <a:p>
-            <a:r>
-              <a:rPr lang="en-US" altLang="zh-CN" dirty="0" smtClean="0"/>
-              <a:t>Model</a:t>
+              <a:t>LSTM Layer</a:t>
             </a:r>
             <a:endParaRPr lang="zh-CN" altLang="en-US" dirty="0"/>
           </a:p>
@@ -10670,7 +10560,7 @@
 </p:sld>
 </file>
 
-<file path=ppt/slides/slide8.xml><?xml version="1.0" encoding="utf-8"?>
+<file path=ppt/slides/slide7.xml><?xml version="1.0" encoding="utf-8"?>
 <p:sld xmlns:a="http://schemas.openxmlformats.org/drawingml/2006/main" xmlns:r="http://schemas.openxmlformats.org/officeDocument/2006/relationships" xmlns:p="http://schemas.openxmlformats.org/presentationml/2006/main">
   <p:cSld>
     <p:spTree>
@@ -10704,7 +10594,15 @@
           <a:p>
             <a:r>
               <a:rPr lang="en-US" altLang="zh-CN" dirty="0" smtClean="0"/>
-              <a:t>Model</a:t>
+              <a:t>Model: Weighted </a:t>
+            </a:r>
+            <a:r>
+              <a:rPr lang="en-US" altLang="zh-CN" dirty="0"/>
+              <a:t>Pooling </a:t>
+            </a:r>
+            <a:r>
+              <a:rPr lang="en-US" altLang="zh-CN" dirty="0" smtClean="0"/>
+              <a:t>Layer</a:t>
             </a:r>
             <a:endParaRPr lang="zh-CN" altLang="en-US" dirty="0"/>
           </a:p>
@@ -10724,12 +10622,6 @@
         <p:txBody>
           <a:bodyPr/>
           <a:lstStyle/>
-          <a:p>
-            <a:r>
-              <a:rPr lang="en-US" altLang="zh-CN" dirty="0" smtClean="0"/>
-              <a:t>Weighted Pooling Layer</a:t>
-            </a:r>
-          </a:p>
           <a:p>
             <a:r>
               <a:rPr lang="en-US" altLang="zh-CN" dirty="0" smtClean="0"/>
@@ -10838,7 +10730,7 @@
 </p:sld>
 </file>
 
-<file path=ppt/slides/slide9.xml><?xml version="1.0" encoding="utf-8"?>
+<file path=ppt/slides/slide8.xml><?xml version="1.0" encoding="utf-8"?>
 <p:sld xmlns:a="http://schemas.openxmlformats.org/drawingml/2006/main" xmlns:r="http://schemas.openxmlformats.org/officeDocument/2006/relationships" xmlns:p="http://schemas.openxmlformats.org/presentationml/2006/main">
   <p:cSld>
     <p:spTree>
@@ -10959,7 +10851,6 @@
               <a:rPr lang="en-US" altLang="zh-CN" dirty="0" smtClean="0"/>
               <a:t>r → ∞, mean-pooling</a:t>
             </a:r>
-            <a:endParaRPr lang="en-US" altLang="zh-CN" dirty="0" smtClean="0"/>
           </a:p>
           <a:p>
             <a:endParaRPr lang="en-US" altLang="zh-CN" dirty="0"/>
@@ -11000,6 +10891,140 @@
     <p:extLst>
       <p:ext uri="{BB962C8B-B14F-4D97-AF65-F5344CB8AC3E}">
         <p14:creationId xmlns:p14="http://schemas.microsoft.com/office/powerpoint/2010/main" val="515753580"/>
+      </p:ext>
+    </p:extLst>
+  </p:cSld>
+  <p:clrMapOvr>
+    <a:masterClrMapping/>
+  </p:clrMapOvr>
+</p:sld>
+</file>
+
+<file path=ppt/slides/slide9.xml><?xml version="1.0" encoding="utf-8"?>
+<p:sld xmlns:a="http://schemas.openxmlformats.org/drawingml/2006/main" xmlns:r="http://schemas.openxmlformats.org/officeDocument/2006/relationships" xmlns:p="http://schemas.openxmlformats.org/presentationml/2006/main">
+  <p:cSld>
+    <p:spTree>
+      <p:nvGrpSpPr>
+        <p:cNvPr id="1" name=""/>
+        <p:cNvGrpSpPr/>
+        <p:nvPr/>
+      </p:nvGrpSpPr>
+      <p:grpSpPr>
+        <a:xfrm>
+          <a:off x="0" y="0"/>
+          <a:ext cx="0" cy="0"/>
+          <a:chOff x="0" y="0"/>
+          <a:chExt cx="0" cy="0"/>
+        </a:xfrm>
+      </p:grpSpPr>
+      <p:sp>
+        <p:nvSpPr>
+          <p:cNvPr id="2" name="标题 1"/>
+          <p:cNvSpPr>
+            <a:spLocks noGrp="1"/>
+          </p:cNvSpPr>
+          <p:nvPr>
+            <p:ph type="title"/>
+          </p:nvPr>
+        </p:nvSpPr>
+        <p:spPr/>
+        <p:txBody>
+          <a:bodyPr/>
+          <a:lstStyle/>
+          <a:p>
+            <a:r>
+              <a:rPr lang="en-US" altLang="zh-CN" dirty="0" smtClean="0"/>
+              <a:t>Model</a:t>
+            </a:r>
+            <a:endParaRPr lang="zh-CN" altLang="en-US" dirty="0"/>
+          </a:p>
+        </p:txBody>
+      </p:sp>
+      <p:sp>
+        <p:nvSpPr>
+          <p:cNvPr id="3" name="内容占位符 2"/>
+          <p:cNvSpPr>
+            <a:spLocks noGrp="1"/>
+          </p:cNvSpPr>
+          <p:nvPr>
+            <p:ph idx="1"/>
+          </p:nvPr>
+        </p:nvSpPr>
+        <p:spPr/>
+        <p:txBody>
+          <a:bodyPr/>
+          <a:lstStyle/>
+          <a:p>
+            <a:r>
+              <a:rPr lang="en-US" altLang="zh-CN" dirty="0" smtClean="0"/>
+              <a:t>Learning</a:t>
+            </a:r>
+          </a:p>
+          <a:p>
+            <a:pPr lvl="1"/>
+            <a:r>
+              <a:rPr lang="en-US" altLang="zh-CN" dirty="0" smtClean="0"/>
+              <a:t>treat the recommender learning task as a </a:t>
+            </a:r>
+            <a:r>
+              <a:rPr lang="en-US" altLang="zh-CN" dirty="0" smtClean="0">
+                <a:solidFill>
+                  <a:srgbClr val="FF0000"/>
+                </a:solidFill>
+              </a:rPr>
+              <a:t>binary classification</a:t>
+            </a:r>
+            <a:r>
+              <a:rPr lang="en-US" altLang="zh-CN" dirty="0" smtClean="0"/>
+              <a:t> problem, interaction 1, otherwise 0.</a:t>
+            </a:r>
+          </a:p>
+          <a:p>
+            <a:pPr lvl="1"/>
+            <a:r>
+              <a:rPr lang="en-US" altLang="zh-CN" dirty="0"/>
+              <a:t>negative </a:t>
+            </a:r>
+            <a:r>
+              <a:rPr lang="en-US" altLang="zh-CN" dirty="0" smtClean="0"/>
+              <a:t>log-likelihood objective function:</a:t>
+            </a:r>
+            <a:endParaRPr lang="zh-CN" altLang="en-US" dirty="0" smtClean="0"/>
+          </a:p>
+          <a:p>
+            <a:pPr lvl="1"/>
+            <a:endParaRPr lang="zh-CN" altLang="en-US" dirty="0"/>
+          </a:p>
+        </p:txBody>
+      </p:sp>
+      <p:pic>
+        <p:nvPicPr>
+          <p:cNvPr id="4" name="图片 3"/>
+          <p:cNvPicPr>
+            <a:picLocks noChangeAspect="1"/>
+          </p:cNvPicPr>
+          <p:nvPr/>
+        </p:nvPicPr>
+        <p:blipFill>
+          <a:blip r:embed="rId2"/>
+          <a:stretch>
+            <a:fillRect/>
+          </a:stretch>
+        </p:blipFill>
+        <p:spPr>
+          <a:xfrm>
+            <a:off x="1659797" y="3472343"/>
+            <a:ext cx="7429500" cy="1524000"/>
+          </a:xfrm>
+          <a:prstGeom prst="rect">
+            <a:avLst/>
+          </a:prstGeom>
+        </p:spPr>
+      </p:pic>
+    </p:spTree>
+    <p:extLst>
+      <p:ext uri="{BB962C8B-B14F-4D97-AF65-F5344CB8AC3E}">
+        <p14:creationId xmlns:p14="http://schemas.microsoft.com/office/powerpoint/2010/main" val="881843434"/>
       </p:ext>
     </p:extLst>
   </p:cSld>
